--- a/hw3/Molecular Phylogenetics of some endangered turtle species.pptx
+++ b/hw3/Molecular Phylogenetics of some endangered turtle species.pptx
@@ -5,22 +5,16 @@
     <p:sldMasterId id="2147483696" r:id="rId1"/>
   </p:sldMasterIdLst>
   <p:notesMasterIdLst>
-    <p:notesMasterId r:id="rId15"/>
+    <p:notesMasterId r:id="rId9"/>
   </p:notesMasterIdLst>
   <p:sldIdLst>
     <p:sldId id="256" r:id="rId2"/>
     <p:sldId id="257" r:id="rId3"/>
     <p:sldId id="258" r:id="rId4"/>
-    <p:sldId id="259" r:id="rId5"/>
-    <p:sldId id="260" r:id="rId6"/>
-    <p:sldId id="261" r:id="rId7"/>
-    <p:sldId id="263" r:id="rId8"/>
-    <p:sldId id="264" r:id="rId9"/>
-    <p:sldId id="265" r:id="rId10"/>
-    <p:sldId id="266" r:id="rId11"/>
-    <p:sldId id="267" r:id="rId12"/>
-    <p:sldId id="268" r:id="rId13"/>
-    <p:sldId id="269" r:id="rId14"/>
+    <p:sldId id="270" r:id="rId5"/>
+    <p:sldId id="263" r:id="rId6"/>
+    <p:sldId id="266" r:id="rId7"/>
+    <p:sldId id="269" r:id="rId8"/>
   </p:sldIdLst>
   <p:sldSz cx="12192000" cy="6858000"/>
   <p:notesSz cx="6858000" cy="9144000"/>
@@ -127,6 +121,87 @@
 </p:presentation>
 </file>
 
+<file path=ppt/ink/ink1.xml><?xml version="1.0" encoding="utf-8"?>
+<inkml:ink xmlns:inkml="http://www.w3.org/2003/InkML">
+  <inkml:definitions>
+    <inkml:context xml:id="ctx0">
+      <inkml:inkSource xml:id="inkSrc0">
+        <inkml:traceFormat>
+          <inkml:channel name="X" type="integer" min="-2.14748E9" max="2.14748E9" units="cm"/>
+          <inkml:channel name="Y" type="integer" min="-2.14748E9" max="2.14748E9" units="cm"/>
+          <inkml:channel name="F" type="integer" max="32767" units="dev"/>
+        </inkml:traceFormat>
+        <inkml:channelProperties>
+          <inkml:channelProperty channel="X" name="resolution" value="1000" units="1/cm"/>
+          <inkml:channelProperty channel="Y" name="resolution" value="1000" units="1/cm"/>
+          <inkml:channelProperty channel="F" name="resolution" value="0" units="1/dev"/>
+        </inkml:channelProperties>
+      </inkml:inkSource>
+      <inkml:timestamp xml:id="ts0" timeString="2024-10-28T13:26:18.278"/>
+    </inkml:context>
+    <inkml:brush xml:id="br0">
+      <inkml:brushProperty name="width" value="0.05" units="cm"/>
+      <inkml:brushProperty name="height" value="0.05" units="cm"/>
+    </inkml:brush>
+  </inkml:definitions>
+  <inkml:trace contextRef="#ctx0" brushRef="#br0">0 1724 24575,'2'-8'0,"1"1"0,-1 0 0,1 0 0,1 0 0,-1 1 0,6-7 0,-8 11 0,17-28 0,-2 0 0,-1-1 0,-1 0 0,18-65 0,-24 70 0,18-37 0,-3 4 0,-15 33 0,-2 0 0,5-47 0,-5 30 0,3-41 0,-5 0 0,-5-93 0,-2 46 0,5 35 0,-4-108 0,0 196 0,0 0 0,0 0 0,0 1 0,-1-1 0,0 1 0,-1-1 0,1 1 0,-1 0 0,-1 0 0,-9-11 0,-17-31 0,24 33 0,0 0 0,1-1 0,0 0 0,-3-22 0,8 34 9,-1 1 1,0-1-1,0 0 0,0 1 0,-1-1 0,1 1 1,-1 0-1,0 0 0,0 0 0,-1 0 0,1 0 1,-6-3-1,-20-28-1494,21 20-5341</inkml:trace>
+</inkml:ink>
+</file>
+
+<file path=ppt/ink/ink2.xml><?xml version="1.0" encoding="utf-8"?>
+<inkml:ink xmlns:inkml="http://www.w3.org/2003/InkML">
+  <inkml:definitions>
+    <inkml:context xml:id="ctx0">
+      <inkml:inkSource xml:id="inkSrc0">
+        <inkml:traceFormat>
+          <inkml:channel name="X" type="integer" min="-2.14748E9" max="2.14748E9" units="cm"/>
+          <inkml:channel name="Y" type="integer" min="-2.14748E9" max="2.14748E9" units="cm"/>
+          <inkml:channel name="F" type="integer" max="32767" units="dev"/>
+        </inkml:traceFormat>
+        <inkml:channelProperties>
+          <inkml:channelProperty channel="X" name="resolution" value="1000" units="1/cm"/>
+          <inkml:channelProperty channel="Y" name="resolution" value="1000" units="1/cm"/>
+          <inkml:channelProperty channel="F" name="resolution" value="0" units="1/dev"/>
+        </inkml:channelProperties>
+      </inkml:inkSource>
+      <inkml:timestamp xml:id="ts0" timeString="2024-10-28T13:26:21.368"/>
+    </inkml:context>
+    <inkml:brush xml:id="br0">
+      <inkml:brushProperty name="width" value="0.05" units="cm"/>
+      <inkml:brushProperty name="height" value="0.05" units="cm"/>
+    </inkml:brush>
+  </inkml:definitions>
+  <inkml:trace contextRef="#ctx0" brushRef="#br0">0 1340 24575,'9'-10'0,"0"-1"0,-1 0 0,0 0 0,7-16 0,7-8 0,12-14 0,-16 26 0,-1-1 0,-2-1 0,0 0 0,-2-1 0,21-54 0,13-55 0,1-2 0,-36 97 0,-4 12 0,0 0 0,-2-1 0,-1 1 0,2-38 0,-6 36 0,0 5 0,-1 0 0,0 0 0,-2 0 0,-1 0 0,-7-28 0,4 35 0,0-1 0,-1 1 0,-1 0 0,-15-23 0,0-6 0,19 37 0,0 0 0,-1 0 0,0 1 0,-1-1 0,-7-8 0,-19-19-1365,17 19-5461</inkml:trace>
+</inkml:ink>
+</file>
+
+<file path=ppt/ink/ink3.xml><?xml version="1.0" encoding="utf-8"?>
+<inkml:ink xmlns:inkml="http://www.w3.org/2003/InkML">
+  <inkml:definitions>
+    <inkml:context xml:id="ctx0">
+      <inkml:inkSource xml:id="inkSrc0">
+        <inkml:traceFormat>
+          <inkml:channel name="X" type="integer" min="-2.14748E9" max="2.14748E9" units="cm"/>
+          <inkml:channel name="Y" type="integer" min="-2.14748E9" max="2.14748E9" units="cm"/>
+          <inkml:channel name="F" type="integer" max="32767" units="dev"/>
+        </inkml:traceFormat>
+        <inkml:channelProperties>
+          <inkml:channelProperty channel="X" name="resolution" value="1000" units="1/cm"/>
+          <inkml:channelProperty channel="Y" name="resolution" value="1000" units="1/cm"/>
+          <inkml:channelProperty channel="F" name="resolution" value="0" units="1/dev"/>
+        </inkml:channelProperties>
+      </inkml:inkSource>
+      <inkml:timestamp xml:id="ts0" timeString="2024-10-28T13:26:24.780"/>
+    </inkml:context>
+    <inkml:brush xml:id="br0">
+      <inkml:brushProperty name="width" value="0.05" units="cm"/>
+      <inkml:brushProperty name="height" value="0.05" units="cm"/>
+    </inkml:brush>
+  </inkml:definitions>
+  <inkml:trace contextRef="#ctx0" brushRef="#br0">1 3194 24575,'1'-11'0,"1"1"0,0-1 0,0 1 0,1-1 0,0 1 0,1 0 0,0 0 0,1 0 0,0 1 0,1-1 0,10-13 0,-7 10 0,0-2 0,-1 1 0,-1-1 0,7-18 0,7-38 0,23-65 0,-29 93 0,11-54 0,-16 56 0,26-69 0,-25 83 0,-1 1 0,-1-1 0,-2 0 0,5-35 0,20-119 0,16 21 0,-9 36 0,-30 91 0,6-21 0,7-62 0,-12 50 0,-3 22 0,2-57 0,-8-293 0,-2 177 0,-2 169 0,-2 1 0,-15-68 0,10 62 0,-7-79 0,15 105 0,-2 1 0,-1 0 0,-11-32 0,8 29 0,1 0 0,-3-32 0,-17-78-1365,25 118-5461</inkml:trace>
+</inkml:ink>
+</file>
+
 <file path=ppt/notesMasters/notesMaster1.xml><?xml version="1.0" encoding="utf-8"?>
 <p:notesMaster xmlns:a="http://schemas.openxmlformats.org/drawingml/2006/main" xmlns:r="http://schemas.openxmlformats.org/officeDocument/2006/relationships" xmlns:p="http://schemas.openxmlformats.org/presentationml/2006/main">
   <p:cSld>
@@ -209,7 +284,7 @@
           <a:p>
             <a:fld id="{AA6F9F99-0A08-49D4-989A-4591E543DE06}" type="datetimeFigureOut">
               <a:rPr lang="ru-RU" smtClean="0"/>
-              <a:t>21.10.2024</a:t>
+              <a:t>28.10.2024</a:t>
             </a:fld>
             <a:endParaRPr lang="ru-RU"/>
           </a:p>
@@ -623,7 +698,7 @@
           <a:p>
             <a:fld id="{97200FD7-1F88-43DB-99F3-731D49F6F99B}" type="datetimeFigureOut">
               <a:rPr lang="ru-RU" smtClean="0"/>
-              <a:t>21.10.2024</a:t>
+              <a:t>28.10.2024</a:t>
             </a:fld>
             <a:endParaRPr lang="ru-RU"/>
           </a:p>
@@ -821,7 +896,7 @@
           <a:p>
             <a:fld id="{97200FD7-1F88-43DB-99F3-731D49F6F99B}" type="datetimeFigureOut">
               <a:rPr lang="ru-RU" smtClean="0"/>
-              <a:t>21.10.2024</a:t>
+              <a:t>28.10.2024</a:t>
             </a:fld>
             <a:endParaRPr lang="ru-RU"/>
           </a:p>
@@ -1029,7 +1104,7 @@
           <a:p>
             <a:fld id="{97200FD7-1F88-43DB-99F3-731D49F6F99B}" type="datetimeFigureOut">
               <a:rPr lang="ru-RU" smtClean="0"/>
-              <a:t>21.10.2024</a:t>
+              <a:t>28.10.2024</a:t>
             </a:fld>
             <a:endParaRPr lang="ru-RU"/>
           </a:p>
@@ -1227,7 +1302,7 @@
           <a:p>
             <a:fld id="{97200FD7-1F88-43DB-99F3-731D49F6F99B}" type="datetimeFigureOut">
               <a:rPr lang="ru-RU" smtClean="0"/>
-              <a:t>21.10.2024</a:t>
+              <a:t>28.10.2024</a:t>
             </a:fld>
             <a:endParaRPr lang="ru-RU"/>
           </a:p>
@@ -1502,7 +1577,7 @@
           <a:p>
             <a:fld id="{97200FD7-1F88-43DB-99F3-731D49F6F99B}" type="datetimeFigureOut">
               <a:rPr lang="ru-RU" smtClean="0"/>
-              <a:t>21.10.2024</a:t>
+              <a:t>28.10.2024</a:t>
             </a:fld>
             <a:endParaRPr lang="ru-RU"/>
           </a:p>
@@ -1767,7 +1842,7 @@
           <a:p>
             <a:fld id="{97200FD7-1F88-43DB-99F3-731D49F6F99B}" type="datetimeFigureOut">
               <a:rPr lang="ru-RU" smtClean="0"/>
-              <a:t>21.10.2024</a:t>
+              <a:t>28.10.2024</a:t>
             </a:fld>
             <a:endParaRPr lang="ru-RU"/>
           </a:p>
@@ -2179,7 +2254,7 @@
           <a:p>
             <a:fld id="{97200FD7-1F88-43DB-99F3-731D49F6F99B}" type="datetimeFigureOut">
               <a:rPr lang="ru-RU" smtClean="0"/>
-              <a:t>21.10.2024</a:t>
+              <a:t>28.10.2024</a:t>
             </a:fld>
             <a:endParaRPr lang="ru-RU"/>
           </a:p>
@@ -2320,7 +2395,7 @@
           <a:p>
             <a:fld id="{97200FD7-1F88-43DB-99F3-731D49F6F99B}" type="datetimeFigureOut">
               <a:rPr lang="ru-RU" smtClean="0"/>
-              <a:t>21.10.2024</a:t>
+              <a:t>28.10.2024</a:t>
             </a:fld>
             <a:endParaRPr lang="ru-RU"/>
           </a:p>
@@ -2433,7 +2508,7 @@
           <a:p>
             <a:fld id="{97200FD7-1F88-43DB-99F3-731D49F6F99B}" type="datetimeFigureOut">
               <a:rPr lang="ru-RU" smtClean="0"/>
-              <a:t>21.10.2024</a:t>
+              <a:t>28.10.2024</a:t>
             </a:fld>
             <a:endParaRPr lang="ru-RU"/>
           </a:p>
@@ -2744,7 +2819,7 @@
           <a:p>
             <a:fld id="{97200FD7-1F88-43DB-99F3-731D49F6F99B}" type="datetimeFigureOut">
               <a:rPr lang="ru-RU" smtClean="0"/>
-              <a:t>21.10.2024</a:t>
+              <a:t>28.10.2024</a:t>
             </a:fld>
             <a:endParaRPr lang="ru-RU"/>
           </a:p>
@@ -3032,7 +3107,7 @@
           <a:p>
             <a:fld id="{97200FD7-1F88-43DB-99F3-731D49F6F99B}" type="datetimeFigureOut">
               <a:rPr lang="ru-RU" smtClean="0"/>
-              <a:t>21.10.2024</a:t>
+              <a:t>28.10.2024</a:t>
             </a:fld>
             <a:endParaRPr lang="ru-RU"/>
           </a:p>
@@ -3273,7 +3348,7 @@
           <a:p>
             <a:fld id="{97200FD7-1F88-43DB-99F3-731D49F6F99B}" type="datetimeFigureOut">
               <a:rPr lang="ru-RU" smtClean="0"/>
-              <a:t>21.10.2024</a:t>
+              <a:t>28.10.2024</a:t>
             </a:fld>
             <a:endParaRPr lang="ru-RU"/>
           </a:p>
@@ -3764,401 +3839,6 @@
 </p:sld>
 </file>
 
-<file path=ppt/slides/slide10.xml><?xml version="1.0" encoding="utf-8"?>
-<p:sld xmlns:a="http://schemas.openxmlformats.org/drawingml/2006/main" xmlns:r="http://schemas.openxmlformats.org/officeDocument/2006/relationships" xmlns:p="http://schemas.openxmlformats.org/presentationml/2006/main">
-  <p:cSld>
-    <p:spTree>
-      <p:nvGrpSpPr>
-        <p:cNvPr id="1" name=""/>
-        <p:cNvGrpSpPr/>
-        <p:nvPr/>
-      </p:nvGrpSpPr>
-      <p:grpSpPr>
-        <a:xfrm>
-          <a:off x="0" y="0"/>
-          <a:ext cx="0" cy="0"/>
-          <a:chOff x="0" y="0"/>
-          <a:chExt cx="0" cy="0"/>
-        </a:xfrm>
-      </p:grpSpPr>
-      <p:pic>
-        <p:nvPicPr>
-          <p:cNvPr id="5" name="Объект 4">
-            <a:extLst>
-              <a:ext uri="{FF2B5EF4-FFF2-40B4-BE49-F238E27FC236}">
-                <a16:creationId xmlns:a16="http://schemas.microsoft.com/office/drawing/2014/main" id="{EBAE0AAD-2616-0098-75BD-81C9B4D34252}"/>
-              </a:ext>
-            </a:extLst>
-          </p:cNvPr>
-          <p:cNvPicPr>
-            <a:picLocks noGrp="1" noChangeAspect="1"/>
-          </p:cNvPicPr>
-          <p:nvPr>
-            <p:ph idx="1"/>
-          </p:nvPr>
-        </p:nvPicPr>
-        <p:blipFill>
-          <a:blip r:embed="rId2"/>
-          <a:stretch>
-            <a:fillRect/>
-          </a:stretch>
-        </p:blipFill>
-        <p:spPr>
-          <a:xfrm>
-            <a:off x="875071" y="738807"/>
-            <a:ext cx="6990735" cy="5266775"/>
-          </a:xfrm>
-        </p:spPr>
-      </p:pic>
-      <p:sp>
-        <p:nvSpPr>
-          <p:cNvPr id="6" name="TextBox 5">
-            <a:extLst>
-              <a:ext uri="{FF2B5EF4-FFF2-40B4-BE49-F238E27FC236}">
-                <a16:creationId xmlns:a16="http://schemas.microsoft.com/office/drawing/2014/main" id="{3CCC8BA4-C022-BABC-6D1E-0588F25C429F}"/>
-              </a:ext>
-            </a:extLst>
-          </p:cNvPr>
-          <p:cNvSpPr txBox="1"/>
-          <p:nvPr/>
-        </p:nvSpPr>
-        <p:spPr>
-          <a:xfrm>
-            <a:off x="9124335" y="1081548"/>
-            <a:ext cx="2192594" cy="3416320"/>
-          </a:xfrm>
-          <a:prstGeom prst="rect">
-            <a:avLst/>
-          </a:prstGeom>
-          <a:noFill/>
-        </p:spPr>
-        <p:txBody>
-          <a:bodyPr wrap="square" rtlCol="0">
-            <a:spAutoFit/>
-          </a:bodyPr>
-          <a:lstStyle/>
-          <a:p>
-            <a:r>
-              <a:rPr lang="en-US" dirty="0"/>
-              <a:t>Phylogenomic analyses of 539 highly informative loci dates a fully resolved time tree for the major clades of living turtles (Testudines)</a:t>
-            </a:r>
-          </a:p>
-          <a:p>
-            <a:r>
-              <a:rPr lang="en-US" dirty="0"/>
-              <a:t>(2017)</a:t>
-            </a:r>
-          </a:p>
-          <a:p>
-            <a:r>
-              <a:rPr lang="en-US" dirty="0"/>
-              <a:t>(</a:t>
-            </a:r>
-            <a:r>
-              <a:rPr lang="en-US" dirty="0">
-                <a:hlinkClick r:id="rId3" tooltip="Persistent link using digital object identifier"/>
-              </a:rPr>
-              <a:t>https://doi.org/10.1016/j.ympev.2017.07.006</a:t>
-            </a:r>
-            <a:r>
-              <a:rPr lang="en-US" dirty="0"/>
-              <a:t>)</a:t>
-            </a:r>
-            <a:endParaRPr lang="ru-RU" dirty="0"/>
-          </a:p>
-        </p:txBody>
-      </p:sp>
-    </p:spTree>
-    <p:extLst>
-      <p:ext uri="{BB962C8B-B14F-4D97-AF65-F5344CB8AC3E}">
-        <p14:creationId xmlns:p14="http://schemas.microsoft.com/office/powerpoint/2010/main" val="1852127326"/>
-      </p:ext>
-    </p:extLst>
-  </p:cSld>
-  <p:clrMapOvr>
-    <a:masterClrMapping/>
-  </p:clrMapOvr>
-</p:sld>
-</file>
-
-<file path=ppt/slides/slide11.xml><?xml version="1.0" encoding="utf-8"?>
-<p:sld xmlns:a="http://schemas.openxmlformats.org/drawingml/2006/main" xmlns:r="http://schemas.openxmlformats.org/officeDocument/2006/relationships" xmlns:p="http://schemas.openxmlformats.org/presentationml/2006/main">
-  <p:cSld>
-    <p:spTree>
-      <p:nvGrpSpPr>
-        <p:cNvPr id="1" name=""/>
-        <p:cNvGrpSpPr/>
-        <p:nvPr/>
-      </p:nvGrpSpPr>
-      <p:grpSpPr>
-        <a:xfrm>
-          <a:off x="0" y="0"/>
-          <a:ext cx="0" cy="0"/>
-          <a:chOff x="0" y="0"/>
-          <a:chExt cx="0" cy="0"/>
-        </a:xfrm>
-      </p:grpSpPr>
-      <p:pic>
-        <p:nvPicPr>
-          <p:cNvPr id="5" name="Объект 4" descr="Изображение выглядит как текст, линия, диаграмма, чек&#10;&#10;Автоматически созданное описание">
-            <a:extLst>
-              <a:ext uri="{FF2B5EF4-FFF2-40B4-BE49-F238E27FC236}">
-                <a16:creationId xmlns:a16="http://schemas.microsoft.com/office/drawing/2014/main" id="{6B30A777-FEFA-4335-3027-7A1ABB7AD6A3}"/>
-              </a:ext>
-            </a:extLst>
-          </p:cNvPr>
-          <p:cNvPicPr>
-            <a:picLocks noGrp="1" noChangeAspect="1"/>
-          </p:cNvPicPr>
-          <p:nvPr>
-            <p:ph idx="1"/>
-          </p:nvPr>
-        </p:nvPicPr>
-        <p:blipFill>
-          <a:blip r:embed="rId2">
-            <a:extLst>
-              <a:ext uri="{28A0092B-C50C-407E-A947-70E740481C1C}">
-                <a14:useLocalDpi xmlns:a14="http://schemas.microsoft.com/office/drawing/2010/main" val="0"/>
-              </a:ext>
-            </a:extLst>
-          </a:blip>
-          <a:stretch>
-            <a:fillRect/>
-          </a:stretch>
-        </p:blipFill>
-        <p:spPr>
-          <a:xfrm>
-            <a:off x="2327787" y="2158974"/>
-            <a:ext cx="7772400" cy="2209800"/>
-          </a:xfrm>
-        </p:spPr>
-      </p:pic>
-      <p:sp>
-        <p:nvSpPr>
-          <p:cNvPr id="6" name="TextBox 5">
-            <a:extLst>
-              <a:ext uri="{FF2B5EF4-FFF2-40B4-BE49-F238E27FC236}">
-                <a16:creationId xmlns:a16="http://schemas.microsoft.com/office/drawing/2014/main" id="{2E6F5466-2287-84AA-7F23-4099F62DFDFE}"/>
-              </a:ext>
-            </a:extLst>
-          </p:cNvPr>
-          <p:cNvSpPr txBox="1"/>
-          <p:nvPr/>
-        </p:nvSpPr>
-        <p:spPr>
-          <a:xfrm>
-            <a:off x="3510116" y="5732206"/>
-            <a:ext cx="5889523" cy="369332"/>
-          </a:xfrm>
-          <a:prstGeom prst="rect">
-            <a:avLst/>
-          </a:prstGeom>
-          <a:noFill/>
-        </p:spPr>
-        <p:txBody>
-          <a:bodyPr wrap="square" rtlCol="0">
-            <a:spAutoFit/>
-          </a:bodyPr>
-          <a:lstStyle/>
-          <a:p>
-            <a:r>
-              <a:rPr lang="en-US" dirty="0"/>
-              <a:t>NJ </a:t>
-            </a:r>
-            <a:r>
-              <a:rPr lang="en-US" dirty="0" err="1"/>
-              <a:t>supermatrix</a:t>
-            </a:r>
-            <a:r>
-              <a:rPr lang="en-US" dirty="0"/>
-              <a:t> tree</a:t>
-            </a:r>
-            <a:endParaRPr lang="ru-RU" dirty="0"/>
-          </a:p>
-        </p:txBody>
-      </p:sp>
-    </p:spTree>
-    <p:extLst>
-      <p:ext uri="{BB962C8B-B14F-4D97-AF65-F5344CB8AC3E}">
-        <p14:creationId xmlns:p14="http://schemas.microsoft.com/office/powerpoint/2010/main" val="1070332367"/>
-      </p:ext>
-    </p:extLst>
-  </p:cSld>
-  <p:clrMapOvr>
-    <a:masterClrMapping/>
-  </p:clrMapOvr>
-</p:sld>
-</file>
-
-<file path=ppt/slides/slide12.xml><?xml version="1.0" encoding="utf-8"?>
-<p:sld xmlns:a="http://schemas.openxmlformats.org/drawingml/2006/main" xmlns:r="http://schemas.openxmlformats.org/officeDocument/2006/relationships" xmlns:p="http://schemas.openxmlformats.org/presentationml/2006/main">
-  <p:cSld>
-    <p:spTree>
-      <p:nvGrpSpPr>
-        <p:cNvPr id="1" name=""/>
-        <p:cNvGrpSpPr/>
-        <p:nvPr/>
-      </p:nvGrpSpPr>
-      <p:grpSpPr>
-        <a:xfrm>
-          <a:off x="0" y="0"/>
-          <a:ext cx="0" cy="0"/>
-          <a:chOff x="0" y="0"/>
-          <a:chExt cx="0" cy="0"/>
-        </a:xfrm>
-      </p:grpSpPr>
-      <p:pic>
-        <p:nvPicPr>
-          <p:cNvPr id="5" name="Объект 4">
-            <a:extLst>
-              <a:ext uri="{FF2B5EF4-FFF2-40B4-BE49-F238E27FC236}">
-                <a16:creationId xmlns:a16="http://schemas.microsoft.com/office/drawing/2014/main" id="{151A992B-EBB7-0288-2891-0D1502E6D2F1}"/>
-              </a:ext>
-            </a:extLst>
-          </p:cNvPr>
-          <p:cNvPicPr>
-            <a:picLocks noGrp="1" noChangeAspect="1"/>
-          </p:cNvPicPr>
-          <p:nvPr>
-            <p:ph idx="1"/>
-          </p:nvPr>
-        </p:nvPicPr>
-        <p:blipFill>
-          <a:blip r:embed="rId2"/>
-          <a:stretch>
-            <a:fillRect/>
-          </a:stretch>
-        </p:blipFill>
-        <p:spPr>
-          <a:xfrm>
-            <a:off x="926691" y="1225020"/>
-            <a:ext cx="10515600" cy="4136703"/>
-          </a:xfrm>
-        </p:spPr>
-      </p:pic>
-      <p:sp>
-        <p:nvSpPr>
-          <p:cNvPr id="6" name="TextBox 5">
-            <a:extLst>
-              <a:ext uri="{FF2B5EF4-FFF2-40B4-BE49-F238E27FC236}">
-                <a16:creationId xmlns:a16="http://schemas.microsoft.com/office/drawing/2014/main" id="{67CDFC95-FC68-19CD-7BD0-54B058227257}"/>
-              </a:ext>
-            </a:extLst>
-          </p:cNvPr>
-          <p:cNvSpPr txBox="1"/>
-          <p:nvPr/>
-        </p:nvSpPr>
-        <p:spPr>
-          <a:xfrm>
-            <a:off x="4513006" y="5456903"/>
-            <a:ext cx="3165988" cy="646331"/>
-          </a:xfrm>
-          <a:prstGeom prst="rect">
-            <a:avLst/>
-          </a:prstGeom>
-          <a:noFill/>
-        </p:spPr>
-        <p:txBody>
-          <a:bodyPr wrap="square" rtlCol="0">
-            <a:spAutoFit/>
-          </a:bodyPr>
-          <a:lstStyle/>
-          <a:p>
-            <a:r>
-              <a:rPr lang="en-US" dirty="0"/>
-              <a:t>NJ 12S tree (similar with Bayesian)</a:t>
-            </a:r>
-            <a:endParaRPr lang="ru-RU" dirty="0"/>
-          </a:p>
-        </p:txBody>
-      </p:sp>
-    </p:spTree>
-    <p:extLst>
-      <p:ext uri="{BB962C8B-B14F-4D97-AF65-F5344CB8AC3E}">
-        <p14:creationId xmlns:p14="http://schemas.microsoft.com/office/powerpoint/2010/main" val="3463584905"/>
-      </p:ext>
-    </p:extLst>
-  </p:cSld>
-  <p:clrMapOvr>
-    <a:masterClrMapping/>
-  </p:clrMapOvr>
-</p:sld>
-</file>
-
-<file path=ppt/slides/slide13.xml><?xml version="1.0" encoding="utf-8"?>
-<p:sld xmlns:a="http://schemas.openxmlformats.org/drawingml/2006/main" xmlns:r="http://schemas.openxmlformats.org/officeDocument/2006/relationships" xmlns:p="http://schemas.openxmlformats.org/presentationml/2006/main">
-  <p:cSld>
-    <p:spTree>
-      <p:nvGrpSpPr>
-        <p:cNvPr id="1" name=""/>
-        <p:cNvGrpSpPr/>
-        <p:nvPr/>
-      </p:nvGrpSpPr>
-      <p:grpSpPr>
-        <a:xfrm>
-          <a:off x="0" y="0"/>
-          <a:ext cx="0" cy="0"/>
-          <a:chOff x="0" y="0"/>
-          <a:chExt cx="0" cy="0"/>
-        </a:xfrm>
-      </p:grpSpPr>
-      <p:sp>
-        <p:nvSpPr>
-          <p:cNvPr id="3" name="Объект 2">
-            <a:extLst>
-              <a:ext uri="{FF2B5EF4-FFF2-40B4-BE49-F238E27FC236}">
-                <a16:creationId xmlns:a16="http://schemas.microsoft.com/office/drawing/2014/main" id="{9ABE7BDC-6807-364E-0882-E0D6C2610922}"/>
-              </a:ext>
-            </a:extLst>
-          </p:cNvPr>
-          <p:cNvSpPr>
-            <a:spLocks noGrp="1"/>
-          </p:cNvSpPr>
-          <p:nvPr>
-            <p:ph idx="1"/>
-          </p:nvPr>
-        </p:nvSpPr>
-        <p:spPr/>
-        <p:txBody>
-          <a:bodyPr/>
-          <a:lstStyle/>
-          <a:p>
-            <a:pPr marL="0" indent="0" algn="ctr">
-              <a:buNone/>
-            </a:pPr>
-            <a:endParaRPr lang="en-US" dirty="0"/>
-          </a:p>
-          <a:p>
-            <a:pPr marL="0" indent="0" algn="ctr">
-              <a:buNone/>
-            </a:pPr>
-            <a:endParaRPr lang="en-US" dirty="0"/>
-          </a:p>
-          <a:p>
-            <a:pPr marL="0" indent="0" algn="ctr">
-              <a:buNone/>
-            </a:pPr>
-            <a:r>
-              <a:rPr lang="en-US" dirty="0"/>
-              <a:t>Thank you for your attention!</a:t>
-            </a:r>
-            <a:endParaRPr lang="ru-RU" dirty="0"/>
-          </a:p>
-        </p:txBody>
-      </p:sp>
-    </p:spTree>
-    <p:extLst>
-      <p:ext uri="{BB962C8B-B14F-4D97-AF65-F5344CB8AC3E}">
-        <p14:creationId xmlns:p14="http://schemas.microsoft.com/office/powerpoint/2010/main" val="4265569441"/>
-      </p:ext>
-    </p:extLst>
-  </p:cSld>
-  <p:clrMapOvr>
-    <a:masterClrMapping/>
-  </p:clrMapOvr>
-</p:sld>
-</file>
-
 <file path=ppt/slides/slide2.xml><?xml version="1.0" encoding="utf-8"?>
 <p:sld xmlns:a="http://schemas.openxmlformats.org/drawingml/2006/main" xmlns:r="http://schemas.openxmlformats.org/officeDocument/2006/relationships" xmlns:p="http://schemas.openxmlformats.org/presentationml/2006/main">
   <p:cSld>
@@ -4235,21 +3915,46 @@
             <a:endParaRPr lang="en-US" sz="2400" dirty="0"/>
           </a:p>
           <a:p>
+            <a:pPr marL="0" indent="0">
+              <a:buNone/>
+            </a:pPr>
+            <a:r>
+              <a:rPr lang="ru-RU" sz="2400" dirty="0"/>
+              <a:t>11</a:t>
+            </a:r>
             <a:r>
               <a:rPr lang="en-US" sz="2400" dirty="0"/>
-              <a:t>4 genes, 2 mitochondrial (12S, 16S) and 2 nuclear (COI and RAG-1)</a:t>
+              <a:t> species:</a:t>
             </a:r>
           </a:p>
           <a:p>
             <a:r>
               <a:rPr lang="en-US" sz="2400" dirty="0"/>
-              <a:t>9 species:</a:t>
-            </a:r>
-          </a:p>
-          <a:p>
+              <a:t>5 sea turtles, </a:t>
+            </a:r>
+            <a:r>
+              <a:rPr lang="ru-RU" sz="2400" dirty="0"/>
+              <a:t>3</a:t>
+            </a:r>
             <a:r>
               <a:rPr lang="en-US" sz="2400" dirty="0"/>
-              <a:t>5 sea turtles, 2 terrestrial, 1 freshwater and 1 </a:t>
+              <a:t> terrestrial, </a:t>
+            </a:r>
+            <a:r>
+              <a:rPr lang="ru-RU" sz="2400" dirty="0"/>
+              <a:t>2</a:t>
+            </a:r>
+            <a:r>
+              <a:rPr lang="en-US" sz="2400" dirty="0"/>
+              <a:t> freshwater and </a:t>
+            </a:r>
+            <a:r>
+              <a:rPr lang="ru-RU" sz="2400" dirty="0"/>
+              <a:t>1</a:t>
+            </a:r>
+            <a:r>
+              <a:rPr lang="en-US" sz="2400" dirty="0"/>
+              <a:t> </a:t>
             </a:r>
             <a:r>
               <a:rPr lang="en-US" sz="2400" dirty="0" err="1"/>
@@ -4258,13 +3963,13 @@
             <a:endParaRPr lang="en-US" sz="2400" dirty="0"/>
           </a:p>
           <a:p>
+            <a:endParaRPr lang="en-US" sz="2400" dirty="0"/>
+          </a:p>
+          <a:p>
             <a:r>
               <a:rPr lang="en-US" sz="2400" dirty="0"/>
-              <a:t>For several sequences for the same gene and species consensus sequence was made</a:t>
-            </a:r>
-          </a:p>
-          <a:p>
-            <a:endParaRPr lang="en-US" sz="2400" dirty="0"/>
+              <a:t>Idea:</a:t>
+            </a:r>
           </a:p>
           <a:p>
             <a:r>
@@ -4443,41 +4148,12 @@
           <a:chExt cx="0" cy="0"/>
         </a:xfrm>
       </p:grpSpPr>
-      <p:sp>
-        <p:nvSpPr>
-          <p:cNvPr id="2" name="Заголовок 1">
-            <a:extLst>
-              <a:ext uri="{FF2B5EF4-FFF2-40B4-BE49-F238E27FC236}">
-                <a16:creationId xmlns:a16="http://schemas.microsoft.com/office/drawing/2014/main" id="{592C5513-3DCF-920F-4538-E8A65A9BDB0C}"/>
-              </a:ext>
-            </a:extLst>
-          </p:cNvPr>
-          <p:cNvSpPr>
-            <a:spLocks noGrp="1"/>
-          </p:cNvSpPr>
-          <p:nvPr>
-            <p:ph type="title"/>
-          </p:nvPr>
-        </p:nvSpPr>
-        <p:spPr/>
-        <p:txBody>
-          <a:bodyPr/>
-          <a:lstStyle/>
-          <a:p>
-            <a:r>
-              <a:rPr lang="en-US" dirty="0"/>
-              <a:t>Results</a:t>
-            </a:r>
-            <a:endParaRPr lang="ru-RU" dirty="0"/>
-          </a:p>
-        </p:txBody>
-      </p:sp>
       <p:pic>
         <p:nvPicPr>
-          <p:cNvPr id="12" name="Объект 11">
-            <a:extLst>
-              <a:ext uri="{FF2B5EF4-FFF2-40B4-BE49-F238E27FC236}">
-                <a16:creationId xmlns:a16="http://schemas.microsoft.com/office/drawing/2014/main" id="{9A8635D2-A783-6B4E-7DB7-201FCDC4C041}"/>
+          <p:cNvPr id="5" name="Объект 4">
+            <a:extLst>
+              <a:ext uri="{FF2B5EF4-FFF2-40B4-BE49-F238E27FC236}">
+                <a16:creationId xmlns:a16="http://schemas.microsoft.com/office/drawing/2014/main" id="{8626DA74-6F71-599E-4442-1779D49949D3}"/>
               </a:ext>
             </a:extLst>
           </p:cNvPr>
@@ -4489,24 +4165,30 @@
           </p:nvPr>
         </p:nvPicPr>
         <p:blipFill>
-          <a:blip r:embed="rId2"/>
+          <a:blip r:embed="rId2">
+            <a:extLst>
+              <a:ext uri="{96DAC541-7B7A-43D3-8B79-37D633B846F1}">
+                <asvg:svgBlip xmlns:asvg="http://schemas.microsoft.com/office/drawing/2016/SVG/main" r:embed="rId3"/>
+              </a:ext>
+            </a:extLst>
+          </a:blip>
           <a:stretch>
             <a:fillRect/>
           </a:stretch>
         </p:blipFill>
         <p:spPr>
           <a:xfrm>
-            <a:off x="838200" y="1877114"/>
-            <a:ext cx="10515600" cy="4248360"/>
+            <a:off x="271666" y="157317"/>
+            <a:ext cx="11648668" cy="6558116"/>
           </a:xfrm>
         </p:spPr>
       </p:pic>
       <p:sp>
         <p:nvSpPr>
-          <p:cNvPr id="14" name="TextBox 13">
-            <a:extLst>
-              <a:ext uri="{FF2B5EF4-FFF2-40B4-BE49-F238E27FC236}">
-                <a16:creationId xmlns:a16="http://schemas.microsoft.com/office/drawing/2014/main" id="{802A604D-BA31-A2AE-EE41-B279C3C0985F}"/>
+          <p:cNvPr id="6" name="TextBox 5">
+            <a:extLst>
+              <a:ext uri="{FF2B5EF4-FFF2-40B4-BE49-F238E27FC236}">
+                <a16:creationId xmlns:a16="http://schemas.microsoft.com/office/drawing/2014/main" id="{F279EF07-B2F3-AC4A-9D30-BDE5031B7A11}"/>
               </a:ext>
             </a:extLst>
           </p:cNvPr>
@@ -4515,8 +4197,8 @@
         </p:nvSpPr>
         <p:spPr>
           <a:xfrm>
-            <a:off x="3998042" y="5587500"/>
-            <a:ext cx="3736258" cy="923330"/>
+            <a:off x="7816646" y="1986115"/>
+            <a:ext cx="1671484" cy="400110"/>
           </a:xfrm>
           <a:prstGeom prst="rect">
             <a:avLst/>
@@ -4530,23 +4212,314 @@
           <a:lstStyle/>
           <a:p>
             <a:r>
+              <a:rPr lang="en-US" sz="1000" dirty="0"/>
+              <a:t>African softshell (freshwater)</a:t>
+            </a:r>
+            <a:endParaRPr lang="ru-RU" sz="1000" dirty="0"/>
+          </a:p>
+        </p:txBody>
+      </p:sp>
+      <p:sp>
+        <p:nvSpPr>
+          <p:cNvPr id="7" name="TextBox 6">
+            <a:extLst>
+              <a:ext uri="{FF2B5EF4-FFF2-40B4-BE49-F238E27FC236}">
+                <a16:creationId xmlns:a16="http://schemas.microsoft.com/office/drawing/2014/main" id="{AB0DD1BA-6AEB-43C9-E50D-1A54FA81371F}"/>
+              </a:ext>
+            </a:extLst>
+          </p:cNvPr>
+          <p:cNvSpPr txBox="1"/>
+          <p:nvPr/>
+        </p:nvSpPr>
+        <p:spPr>
+          <a:xfrm>
+            <a:off x="8967020" y="2290916"/>
+            <a:ext cx="1307690" cy="400110"/>
+          </a:xfrm>
+          <a:prstGeom prst="rect">
+            <a:avLst/>
+          </a:prstGeom>
+          <a:noFill/>
+        </p:spPr>
+        <p:txBody>
+          <a:bodyPr wrap="square" rtlCol="0">
+            <a:spAutoFit/>
+          </a:bodyPr>
+          <a:lstStyle/>
+          <a:p>
+            <a:r>
+              <a:rPr lang="en-US" sz="1000" dirty="0"/>
+              <a:t>Leatherback sea turtle</a:t>
+            </a:r>
+            <a:endParaRPr lang="ru-RU" sz="1000" dirty="0"/>
+          </a:p>
+        </p:txBody>
+      </p:sp>
+      <p:sp>
+        <p:nvSpPr>
+          <p:cNvPr id="8" name="TextBox 7">
+            <a:extLst>
+              <a:ext uri="{FF2B5EF4-FFF2-40B4-BE49-F238E27FC236}">
+                <a16:creationId xmlns:a16="http://schemas.microsoft.com/office/drawing/2014/main" id="{C44A2B71-DF89-A5E8-4BEB-CAA7E3D667F5}"/>
+              </a:ext>
+            </a:extLst>
+          </p:cNvPr>
+          <p:cNvSpPr txBox="1"/>
+          <p:nvPr/>
+        </p:nvSpPr>
+        <p:spPr>
+          <a:xfrm>
+            <a:off x="7816646" y="2691026"/>
+            <a:ext cx="1297857" cy="369332"/>
+          </a:xfrm>
+          <a:prstGeom prst="rect">
+            <a:avLst/>
+          </a:prstGeom>
+          <a:noFill/>
+        </p:spPr>
+        <p:txBody>
+          <a:bodyPr wrap="square" rtlCol="0">
+            <a:spAutoFit/>
+          </a:bodyPr>
+          <a:lstStyle/>
+          <a:p>
+            <a:r>
               <a:rPr lang="en-US" dirty="0"/>
-              <a:t>12S Bayesian</a:t>
-            </a:r>
-          </a:p>
+              <a:t>Sea turtles</a:t>
+            </a:r>
+            <a:endParaRPr lang="ru-RU" dirty="0"/>
+          </a:p>
+        </p:txBody>
+      </p:sp>
+      <p:sp>
+        <p:nvSpPr>
+          <p:cNvPr id="9" name="TextBox 8">
+            <a:extLst>
+              <a:ext uri="{FF2B5EF4-FFF2-40B4-BE49-F238E27FC236}">
+                <a16:creationId xmlns:a16="http://schemas.microsoft.com/office/drawing/2014/main" id="{1FC1AA29-852E-E575-903E-79AF5535DAC7}"/>
+              </a:ext>
+            </a:extLst>
+          </p:cNvPr>
+          <p:cNvSpPr txBox="1"/>
+          <p:nvPr/>
+        </p:nvSpPr>
+        <p:spPr>
+          <a:xfrm>
+            <a:off x="7885472" y="3474477"/>
+            <a:ext cx="2310580" cy="646331"/>
+          </a:xfrm>
+          <a:prstGeom prst="rect">
+            <a:avLst/>
+          </a:prstGeom>
+          <a:noFill/>
+        </p:spPr>
+        <p:txBody>
+          <a:bodyPr wrap="square" rtlCol="0">
+            <a:spAutoFit/>
+          </a:bodyPr>
+          <a:lstStyle/>
           <a:p>
             <a:r>
               <a:rPr lang="en-US" dirty="0"/>
-              <a:t>Early differentiation of terrestrial turtles</a:t>
+              <a:t>American freshwater turtles</a:t>
             </a:r>
             <a:endParaRPr lang="ru-RU" dirty="0"/>
           </a:p>
         </p:txBody>
       </p:sp>
+      <p:sp>
+        <p:nvSpPr>
+          <p:cNvPr id="10" name="TextBox 9">
+            <a:extLst>
+              <a:ext uri="{FF2B5EF4-FFF2-40B4-BE49-F238E27FC236}">
+                <a16:creationId xmlns:a16="http://schemas.microsoft.com/office/drawing/2014/main" id="{D51B11A4-25F1-DF65-FDF5-35B92317E494}"/>
+              </a:ext>
+            </a:extLst>
+          </p:cNvPr>
+          <p:cNvSpPr txBox="1"/>
+          <p:nvPr/>
+        </p:nvSpPr>
+        <p:spPr>
+          <a:xfrm>
+            <a:off x="7688826" y="4218039"/>
+            <a:ext cx="1799304" cy="369332"/>
+          </a:xfrm>
+          <a:prstGeom prst="rect">
+            <a:avLst/>
+          </a:prstGeom>
+          <a:noFill/>
+        </p:spPr>
+        <p:txBody>
+          <a:bodyPr wrap="square" rtlCol="0">
+            <a:spAutoFit/>
+          </a:bodyPr>
+          <a:lstStyle/>
+          <a:p>
+            <a:r>
+              <a:rPr lang="en-US" dirty="0"/>
+              <a:t>Tortoises</a:t>
+            </a:r>
+            <a:endParaRPr lang="ru-RU" dirty="0"/>
+          </a:p>
+        </p:txBody>
+      </p:sp>
+      <mc:AlternateContent xmlns:mc="http://schemas.openxmlformats.org/markup-compatibility/2006">
+        <mc:Choice xmlns:p14="http://schemas.microsoft.com/office/powerpoint/2010/main" Requires="p14">
+          <p:contentPart p14:bwMode="auto" r:id="rId4">
+            <p14:nvContentPartPr>
+              <p14:cNvPr id="11" name="Рукописный ввод 10">
+                <a:extLst>
+                  <a:ext uri="{FF2B5EF4-FFF2-40B4-BE49-F238E27FC236}">
+                    <a16:creationId xmlns:a16="http://schemas.microsoft.com/office/drawing/2014/main" id="{97F6BFAF-2D45-E079-F6A4-2474F6537470}"/>
+                  </a:ext>
+                </a:extLst>
+              </p14:cNvPr>
+              <p14:cNvContentPartPr/>
+              <p14:nvPr/>
+            </p14:nvContentPartPr>
+            <p14:xfrm>
+              <a:off x="7541257" y="4079388"/>
+              <a:ext cx="80640" cy="620640"/>
+            </p14:xfrm>
+          </p:contentPart>
+        </mc:Choice>
+        <mc:Fallback>
+          <p:pic>
+            <p:nvPicPr>
+              <p:cNvPr id="11" name="Рукописный ввод 10">
+                <a:extLst>
+                  <a:ext uri="{FF2B5EF4-FFF2-40B4-BE49-F238E27FC236}">
+                    <a16:creationId xmlns:a16="http://schemas.microsoft.com/office/drawing/2014/main" id="{97F6BFAF-2D45-E079-F6A4-2474F6537470}"/>
+                  </a:ext>
+                </a:extLst>
+              </p:cNvPr>
+              <p:cNvPicPr/>
+              <p:nvPr/>
+            </p:nvPicPr>
+            <p:blipFill>
+              <a:blip r:embed="rId5"/>
+              <a:stretch>
+                <a:fillRect/>
+              </a:stretch>
+            </p:blipFill>
+            <p:spPr>
+              <a:xfrm>
+                <a:off x="7532257" y="4070748"/>
+                <a:ext cx="98280" cy="638280"/>
+              </a:xfrm>
+              <a:prstGeom prst="rect">
+                <a:avLst/>
+              </a:prstGeom>
+            </p:spPr>
+          </p:pic>
+        </mc:Fallback>
+      </mc:AlternateContent>
+      <mc:AlternateContent xmlns:mc="http://schemas.openxmlformats.org/markup-compatibility/2006">
+        <mc:Choice xmlns:p14="http://schemas.microsoft.com/office/powerpoint/2010/main" Requires="p14">
+          <p:contentPart p14:bwMode="auto" r:id="rId6">
+            <p14:nvContentPartPr>
+              <p14:cNvPr id="12" name="Рукописный ввод 11">
+                <a:extLst>
+                  <a:ext uri="{FF2B5EF4-FFF2-40B4-BE49-F238E27FC236}">
+                    <a16:creationId xmlns:a16="http://schemas.microsoft.com/office/drawing/2014/main" id="{6784FA11-9DE0-07C4-887D-84999A605E76}"/>
+                  </a:ext>
+                </a:extLst>
+              </p14:cNvPr>
+              <p14:cNvContentPartPr/>
+              <p14:nvPr/>
+            </p14:nvContentPartPr>
+            <p14:xfrm>
+              <a:off x="7550977" y="3578268"/>
+              <a:ext cx="129960" cy="482400"/>
+            </p14:xfrm>
+          </p:contentPart>
+        </mc:Choice>
+        <mc:Fallback>
+          <p:pic>
+            <p:nvPicPr>
+              <p:cNvPr id="12" name="Рукописный ввод 11">
+                <a:extLst>
+                  <a:ext uri="{FF2B5EF4-FFF2-40B4-BE49-F238E27FC236}">
+                    <a16:creationId xmlns:a16="http://schemas.microsoft.com/office/drawing/2014/main" id="{6784FA11-9DE0-07C4-887D-84999A605E76}"/>
+                  </a:ext>
+                </a:extLst>
+              </p:cNvPr>
+              <p:cNvPicPr/>
+              <p:nvPr/>
+            </p:nvPicPr>
+            <p:blipFill>
+              <a:blip r:embed="rId7"/>
+              <a:stretch>
+                <a:fillRect/>
+              </a:stretch>
+            </p:blipFill>
+            <p:spPr>
+              <a:xfrm>
+                <a:off x="7541977" y="3569628"/>
+                <a:ext cx="147600" cy="500040"/>
+              </a:xfrm>
+              <a:prstGeom prst="rect">
+                <a:avLst/>
+              </a:prstGeom>
+            </p:spPr>
+          </p:pic>
+        </mc:Fallback>
+      </mc:AlternateContent>
+      <mc:AlternateContent xmlns:mc="http://schemas.openxmlformats.org/markup-compatibility/2006">
+        <mc:Choice xmlns:p14="http://schemas.microsoft.com/office/powerpoint/2010/main" Requires="p14">
+          <p:contentPart p14:bwMode="auto" r:id="rId8">
+            <p14:nvContentPartPr>
+              <p14:cNvPr id="13" name="Рукописный ввод 12">
+                <a:extLst>
+                  <a:ext uri="{FF2B5EF4-FFF2-40B4-BE49-F238E27FC236}">
+                    <a16:creationId xmlns:a16="http://schemas.microsoft.com/office/drawing/2014/main" id="{1386C157-B243-44B9-2424-138A6CDB4933}"/>
+                  </a:ext>
+                </a:extLst>
+              </p14:cNvPr>
+              <p14:cNvContentPartPr/>
+              <p14:nvPr/>
+            </p14:nvContentPartPr>
+            <p14:xfrm>
+              <a:off x="7609657" y="2419428"/>
+              <a:ext cx="177840" cy="1149840"/>
+            </p14:xfrm>
+          </p:contentPart>
+        </mc:Choice>
+        <mc:Fallback>
+          <p:pic>
+            <p:nvPicPr>
+              <p:cNvPr id="13" name="Рукописный ввод 12">
+                <a:extLst>
+                  <a:ext uri="{FF2B5EF4-FFF2-40B4-BE49-F238E27FC236}">
+                    <a16:creationId xmlns:a16="http://schemas.microsoft.com/office/drawing/2014/main" id="{1386C157-B243-44B9-2424-138A6CDB4933}"/>
+                  </a:ext>
+                </a:extLst>
+              </p:cNvPr>
+              <p:cNvPicPr/>
+              <p:nvPr/>
+            </p:nvPicPr>
+            <p:blipFill>
+              <a:blip r:embed="rId9"/>
+              <a:stretch>
+                <a:fillRect/>
+              </a:stretch>
+            </p:blipFill>
+            <p:spPr>
+              <a:xfrm>
+                <a:off x="7601017" y="2410788"/>
+                <a:ext cx="195480" cy="1167480"/>
+              </a:xfrm>
+              <a:prstGeom prst="rect">
+                <a:avLst/>
+              </a:prstGeom>
+            </p:spPr>
+          </p:pic>
+        </mc:Fallback>
+      </mc:AlternateContent>
     </p:spTree>
     <p:extLst>
       <p:ext uri="{BB962C8B-B14F-4D97-AF65-F5344CB8AC3E}">
-        <p14:creationId xmlns:p14="http://schemas.microsoft.com/office/powerpoint/2010/main" val="943932621"/>
+        <p14:creationId xmlns:p14="http://schemas.microsoft.com/office/powerpoint/2010/main" val="1084261838"/>
       </p:ext>
     </p:extLst>
   </p:cSld>
@@ -4578,7 +4551,7 @@
           <p:cNvPr id="5" name="Объект 4">
             <a:extLst>
               <a:ext uri="{FF2B5EF4-FFF2-40B4-BE49-F238E27FC236}">
-                <a16:creationId xmlns:a16="http://schemas.microsoft.com/office/drawing/2014/main" id="{E986B8A8-EBAD-3BF4-825E-DD6BD1C1F62E}"/>
+                <a16:creationId xmlns:a16="http://schemas.microsoft.com/office/drawing/2014/main" id="{4DF510B1-6E32-F4D3-B129-6D002E5301CE}"/>
               </a:ext>
             </a:extLst>
           </p:cNvPr>
@@ -4597,8 +4570,8 @@
         </p:blipFill>
         <p:spPr>
           <a:xfrm>
-            <a:off x="730045" y="973393"/>
-            <a:ext cx="11235476" cy="4105419"/>
+            <a:off x="271593" y="757084"/>
+            <a:ext cx="11920407" cy="4572983"/>
           </a:xfrm>
         </p:spPr>
       </p:pic>
@@ -4607,7 +4580,7 @@
           <p:cNvPr id="6" name="TextBox 5">
             <a:extLst>
               <a:ext uri="{FF2B5EF4-FFF2-40B4-BE49-F238E27FC236}">
-                <a16:creationId xmlns:a16="http://schemas.microsoft.com/office/drawing/2014/main" id="{AFE873FB-7736-596D-2725-83F833D8BBA2}"/>
+                <a16:creationId xmlns:a16="http://schemas.microsoft.com/office/drawing/2014/main" id="{AA83A004-DF78-C4B4-C097-4B698A9B32B5}"/>
               </a:ext>
             </a:extLst>
           </p:cNvPr>
@@ -4616,8 +4589,8 @@
         </p:nvSpPr>
         <p:spPr>
           <a:xfrm>
-            <a:off x="3490452" y="5255793"/>
-            <a:ext cx="4886632" cy="923330"/>
+            <a:off x="3529780" y="6018325"/>
+            <a:ext cx="4876800" cy="369332"/>
           </a:xfrm>
           <a:prstGeom prst="rect">
             <a:avLst/>
@@ -4633,14 +4606,7 @@
             <a:pPr algn="ctr"/>
             <a:r>
               <a:rPr lang="en-US" dirty="0"/>
-              <a:t>16S</a:t>
-            </a:r>
-          </a:p>
-          <a:p>
-            <a:pPr algn="ctr"/>
-            <a:r>
-              <a:rPr lang="en-US" dirty="0"/>
-              <a:t>Separation of Trachemys scripta (American freshwater turtle)</a:t>
+              <a:t>RAG-1</a:t>
             </a:r>
             <a:endParaRPr lang="ru-RU" dirty="0"/>
           </a:p>
@@ -4649,7 +4615,7 @@
     </p:spTree>
     <p:extLst>
       <p:ext uri="{BB962C8B-B14F-4D97-AF65-F5344CB8AC3E}">
-        <p14:creationId xmlns:p14="http://schemas.microsoft.com/office/powerpoint/2010/main" val="3141834360"/>
+        <p14:creationId xmlns:p14="http://schemas.microsoft.com/office/powerpoint/2010/main" val="1094212614"/>
       </p:ext>
     </p:extLst>
   </p:cSld>
@@ -4681,7 +4647,7 @@
           <p:cNvPr id="5" name="Объект 4">
             <a:extLst>
               <a:ext uri="{FF2B5EF4-FFF2-40B4-BE49-F238E27FC236}">
-                <a16:creationId xmlns:a16="http://schemas.microsoft.com/office/drawing/2014/main" id="{9F10761E-EB38-BFE4-F944-0C1D7373D7BB}"/>
+                <a16:creationId xmlns:a16="http://schemas.microsoft.com/office/drawing/2014/main" id="{EBAE0AAD-2616-0098-75BD-81C9B4D34252}"/>
               </a:ext>
             </a:extLst>
           </p:cNvPr>
@@ -4700,8 +4666,8 @@
         </p:blipFill>
         <p:spPr>
           <a:xfrm>
-            <a:off x="503903" y="610519"/>
-            <a:ext cx="11381827" cy="4296587"/>
+            <a:off x="875071" y="738807"/>
+            <a:ext cx="6990735" cy="5266775"/>
           </a:xfrm>
         </p:spPr>
       </p:pic>
@@ -4710,7 +4676,7 @@
           <p:cNvPr id="6" name="TextBox 5">
             <a:extLst>
               <a:ext uri="{FF2B5EF4-FFF2-40B4-BE49-F238E27FC236}">
-                <a16:creationId xmlns:a16="http://schemas.microsoft.com/office/drawing/2014/main" id="{37B8D6DB-095B-F278-C216-A3FD5F3DE78B}"/>
+                <a16:creationId xmlns:a16="http://schemas.microsoft.com/office/drawing/2014/main" id="{3CCC8BA4-C022-BABC-6D1E-0588F25C429F}"/>
               </a:ext>
             </a:extLst>
           </p:cNvPr>
@@ -4719,8 +4685,8 @@
         </p:nvSpPr>
         <p:spPr>
           <a:xfrm>
-            <a:off x="3500284" y="5601150"/>
-            <a:ext cx="6037006" cy="646331"/>
+            <a:off x="9124335" y="1081548"/>
+            <a:ext cx="2192594" cy="3416320"/>
           </a:xfrm>
           <a:prstGeom prst="rect">
             <a:avLst/>
@@ -4733,29 +4699,31 @@
           </a:bodyPr>
           <a:lstStyle/>
           <a:p>
-            <a:pPr algn="ctr"/>
             <a:r>
               <a:rPr lang="en-US" dirty="0"/>
-              <a:t>COI</a:t>
-            </a:r>
-          </a:p>
-          <a:p>
-            <a:pPr algn="ctr"/>
-            <a:r>
-              <a:rPr lang="en-US" dirty="0" err="1"/>
-              <a:t>Tryonix</a:t>
-            </a:r>
+              <a:t>Phylogenomic analyses of 539 highly informative loci dates a fully resolved time tree for the major clades of living turtles (Testudines)</a:t>
+            </a:r>
+          </a:p>
+          <a:p>
             <a:r>
               <a:rPr lang="en-US" dirty="0"/>
-              <a:t> </a:t>
-            </a:r>
-            <a:r>
-              <a:rPr lang="en-US" dirty="0" err="1"/>
-              <a:t>triunguis’s</a:t>
-            </a:r>
+              <a:t>(2017)</a:t>
+            </a:r>
+          </a:p>
+          <a:p>
             <a:r>
               <a:rPr lang="en-US" dirty="0"/>
-              <a:t> main area is Africa</a:t>
+              <a:t>(</a:t>
+            </a:r>
+            <a:r>
+              <a:rPr lang="en-US" dirty="0">
+                <a:hlinkClick r:id="rId3" tooltip="Persistent link using digital object identifier"/>
+              </a:rPr>
+              <a:t>https://doi.org/10.1016/j.ympev.2017.07.006</a:t>
+            </a:r>
+            <a:r>
+              <a:rPr lang="en-US" dirty="0"/>
+              <a:t>)</a:t>
             </a:r>
             <a:endParaRPr lang="ru-RU" dirty="0"/>
           </a:p>
@@ -4764,7 +4732,7 @@
     </p:spTree>
     <p:extLst>
       <p:ext uri="{BB962C8B-B14F-4D97-AF65-F5344CB8AC3E}">
-        <p14:creationId xmlns:p14="http://schemas.microsoft.com/office/powerpoint/2010/main" val="3524531740"/>
+        <p14:creationId xmlns:p14="http://schemas.microsoft.com/office/powerpoint/2010/main" val="1852127326"/>
       </p:ext>
     </p:extLst>
   </p:cSld>
@@ -4791,67 +4759,45 @@
           <a:chExt cx="0" cy="0"/>
         </a:xfrm>
       </p:grpSpPr>
-      <p:pic>
-        <p:nvPicPr>
-          <p:cNvPr id="5" name="Объект 4">
-            <a:extLst>
-              <a:ext uri="{FF2B5EF4-FFF2-40B4-BE49-F238E27FC236}">
-                <a16:creationId xmlns:a16="http://schemas.microsoft.com/office/drawing/2014/main" id="{4DF510B1-6E32-F4D3-B129-6D002E5301CE}"/>
-              </a:ext>
-            </a:extLst>
-          </p:cNvPr>
-          <p:cNvPicPr>
-            <a:picLocks noGrp="1" noChangeAspect="1"/>
-          </p:cNvPicPr>
+      <p:sp>
+        <p:nvSpPr>
+          <p:cNvPr id="3" name="Объект 2">
+            <a:extLst>
+              <a:ext uri="{FF2B5EF4-FFF2-40B4-BE49-F238E27FC236}">
+                <a16:creationId xmlns:a16="http://schemas.microsoft.com/office/drawing/2014/main" id="{9ABE7BDC-6807-364E-0882-E0D6C2610922}"/>
+              </a:ext>
+            </a:extLst>
+          </p:cNvPr>
+          <p:cNvSpPr>
+            <a:spLocks noGrp="1"/>
+          </p:cNvSpPr>
           <p:nvPr>
             <p:ph idx="1"/>
           </p:nvPr>
-        </p:nvPicPr>
-        <p:blipFill>
-          <a:blip r:embed="rId2"/>
-          <a:stretch>
-            <a:fillRect/>
-          </a:stretch>
-        </p:blipFill>
-        <p:spPr>
-          <a:xfrm>
-            <a:off x="271593" y="757084"/>
-            <a:ext cx="11920407" cy="4572983"/>
-          </a:xfrm>
-        </p:spPr>
-      </p:pic>
-      <p:sp>
-        <p:nvSpPr>
-          <p:cNvPr id="6" name="TextBox 5">
-            <a:extLst>
-              <a:ext uri="{FF2B5EF4-FFF2-40B4-BE49-F238E27FC236}">
-                <a16:creationId xmlns:a16="http://schemas.microsoft.com/office/drawing/2014/main" id="{AA83A004-DF78-C4B4-C097-4B698A9B32B5}"/>
-              </a:ext>
-            </a:extLst>
-          </p:cNvPr>
-          <p:cNvSpPr txBox="1"/>
-          <p:nvPr/>
-        </p:nvSpPr>
-        <p:spPr>
-          <a:xfrm>
-            <a:off x="3529780" y="6018325"/>
-            <a:ext cx="4876800" cy="369332"/>
-          </a:xfrm>
-          <a:prstGeom prst="rect">
-            <a:avLst/>
-          </a:prstGeom>
-          <a:noFill/>
-        </p:spPr>
-        <p:txBody>
-          <a:bodyPr wrap="square" rtlCol="0">
-            <a:spAutoFit/>
-          </a:bodyPr>
-          <a:lstStyle/>
-          <a:p>
-            <a:pPr algn="ctr"/>
+        </p:nvSpPr>
+        <p:spPr/>
+        <p:txBody>
+          <a:bodyPr/>
+          <a:lstStyle/>
+          <a:p>
+            <a:pPr marL="0" indent="0" algn="ctr">
+              <a:buNone/>
+            </a:pPr>
+            <a:endParaRPr lang="en-US" dirty="0"/>
+          </a:p>
+          <a:p>
+            <a:pPr marL="0" indent="0" algn="ctr">
+              <a:buNone/>
+            </a:pPr>
+            <a:endParaRPr lang="en-US" dirty="0"/>
+          </a:p>
+          <a:p>
+            <a:pPr marL="0" indent="0" algn="ctr">
+              <a:buNone/>
+            </a:pPr>
             <a:r>
               <a:rPr lang="en-US" dirty="0"/>
-              <a:t>RAG-1</a:t>
+              <a:t>Thank you for your attention!</a:t>
             </a:r>
             <a:endParaRPr lang="ru-RU" dirty="0"/>
           </a:p>
@@ -4860,239 +4806,7 @@
     </p:spTree>
     <p:extLst>
       <p:ext uri="{BB962C8B-B14F-4D97-AF65-F5344CB8AC3E}">
-        <p14:creationId xmlns:p14="http://schemas.microsoft.com/office/powerpoint/2010/main" val="1094212614"/>
-      </p:ext>
-    </p:extLst>
-  </p:cSld>
-  <p:clrMapOvr>
-    <a:masterClrMapping/>
-  </p:clrMapOvr>
-</p:sld>
-</file>
-
-<file path=ppt/slides/slide8.xml><?xml version="1.0" encoding="utf-8"?>
-<p:sld xmlns:a="http://schemas.openxmlformats.org/drawingml/2006/main" xmlns:r="http://schemas.openxmlformats.org/officeDocument/2006/relationships" xmlns:p="http://schemas.openxmlformats.org/presentationml/2006/main">
-  <p:cSld>
-    <p:spTree>
-      <p:nvGrpSpPr>
-        <p:cNvPr id="1" name=""/>
-        <p:cNvGrpSpPr/>
-        <p:nvPr/>
-      </p:nvGrpSpPr>
-      <p:grpSpPr>
-        <a:xfrm>
-          <a:off x="0" y="0"/>
-          <a:ext cx="0" cy="0"/>
-          <a:chOff x="0" y="0"/>
-          <a:chExt cx="0" cy="0"/>
-        </a:xfrm>
-      </p:grpSpPr>
-      <p:pic>
-        <p:nvPicPr>
-          <p:cNvPr id="5" name="Объект 4" descr="Изображение выглядит как текст, линия, чек, диаграмма&#10;&#10;Автоматически созданное описание">
-            <a:extLst>
-              <a:ext uri="{FF2B5EF4-FFF2-40B4-BE49-F238E27FC236}">
-                <a16:creationId xmlns:a16="http://schemas.microsoft.com/office/drawing/2014/main" id="{30810D40-CC7A-A4D3-FB69-DEF7A10BA64F}"/>
-              </a:ext>
-            </a:extLst>
-          </p:cNvPr>
-          <p:cNvPicPr>
-            <a:picLocks noGrp="1" noChangeAspect="1"/>
-          </p:cNvPicPr>
-          <p:nvPr>
-            <p:ph idx="1"/>
-          </p:nvPr>
-        </p:nvPicPr>
-        <p:blipFill>
-          <a:blip r:embed="rId2">
-            <a:extLst>
-              <a:ext uri="{28A0092B-C50C-407E-A947-70E740481C1C}">
-                <a14:useLocalDpi xmlns:a14="http://schemas.microsoft.com/office/drawing/2010/main" val="0"/>
-              </a:ext>
-            </a:extLst>
-          </a:blip>
-          <a:stretch>
-            <a:fillRect/>
-          </a:stretch>
-        </p:blipFill>
-        <p:spPr>
-          <a:xfrm>
-            <a:off x="338393" y="1238242"/>
-            <a:ext cx="10939916" cy="2896812"/>
-          </a:xfrm>
-        </p:spPr>
-      </p:pic>
-      <p:sp>
-        <p:nvSpPr>
-          <p:cNvPr id="6" name="TextBox 5">
-            <a:extLst>
-              <a:ext uri="{FF2B5EF4-FFF2-40B4-BE49-F238E27FC236}">
-                <a16:creationId xmlns:a16="http://schemas.microsoft.com/office/drawing/2014/main" id="{0719D201-7202-6BDF-E43A-D3A41301291F}"/>
-              </a:ext>
-            </a:extLst>
-          </p:cNvPr>
-          <p:cNvSpPr txBox="1"/>
-          <p:nvPr/>
-        </p:nvSpPr>
-        <p:spPr>
-          <a:xfrm>
-            <a:off x="3136490" y="5250426"/>
-            <a:ext cx="6528619" cy="369332"/>
-          </a:xfrm>
-          <a:prstGeom prst="rect">
-            <a:avLst/>
-          </a:prstGeom>
-          <a:noFill/>
-        </p:spPr>
-        <p:txBody>
-          <a:bodyPr wrap="square" rtlCol="0">
-            <a:spAutoFit/>
-          </a:bodyPr>
-          <a:lstStyle/>
-          <a:p>
-            <a:pPr algn="ctr"/>
-            <a:r>
-              <a:rPr lang="en-US" dirty="0"/>
-              <a:t>Bayesian tree for </a:t>
-            </a:r>
-            <a:r>
-              <a:rPr lang="en-US" dirty="0" err="1"/>
-              <a:t>supermatrix</a:t>
-            </a:r>
-            <a:r>
-              <a:rPr lang="en-US" dirty="0"/>
-              <a:t> of 4 genes</a:t>
-            </a:r>
-            <a:endParaRPr lang="ru-RU" dirty="0"/>
-          </a:p>
-        </p:txBody>
-      </p:sp>
-    </p:spTree>
-    <p:extLst>
-      <p:ext uri="{BB962C8B-B14F-4D97-AF65-F5344CB8AC3E}">
-        <p14:creationId xmlns:p14="http://schemas.microsoft.com/office/powerpoint/2010/main" val="2756728378"/>
-      </p:ext>
-    </p:extLst>
-  </p:cSld>
-  <p:clrMapOvr>
-    <a:masterClrMapping/>
-  </p:clrMapOvr>
-</p:sld>
-</file>
-
-<file path=ppt/slides/slide9.xml><?xml version="1.0" encoding="utf-8"?>
-<p:sld xmlns:a="http://schemas.openxmlformats.org/drawingml/2006/main" xmlns:r="http://schemas.openxmlformats.org/officeDocument/2006/relationships" xmlns:p="http://schemas.openxmlformats.org/presentationml/2006/main">
-  <p:cSld>
-    <p:spTree>
-      <p:nvGrpSpPr>
-        <p:cNvPr id="1" name=""/>
-        <p:cNvGrpSpPr/>
-        <p:nvPr/>
-      </p:nvGrpSpPr>
-      <p:grpSpPr>
-        <a:xfrm>
-          <a:off x="0" y="0"/>
-          <a:ext cx="0" cy="0"/>
-          <a:chOff x="0" y="0"/>
-          <a:chExt cx="0" cy="0"/>
-        </a:xfrm>
-      </p:grpSpPr>
-      <p:sp>
-        <p:nvSpPr>
-          <p:cNvPr id="6" name="TextBox 5">
-            <a:extLst>
-              <a:ext uri="{FF2B5EF4-FFF2-40B4-BE49-F238E27FC236}">
-                <a16:creationId xmlns:a16="http://schemas.microsoft.com/office/drawing/2014/main" id="{4B207720-F996-6955-2BBE-A4372D52048A}"/>
-              </a:ext>
-            </a:extLst>
-          </p:cNvPr>
-          <p:cNvSpPr txBox="1"/>
-          <p:nvPr/>
-        </p:nvSpPr>
-        <p:spPr>
-          <a:xfrm>
-            <a:off x="2163097" y="5299587"/>
-            <a:ext cx="7039897" cy="923330"/>
-          </a:xfrm>
-          <a:prstGeom prst="rect">
-            <a:avLst/>
-          </a:prstGeom>
-          <a:noFill/>
-        </p:spPr>
-        <p:txBody>
-          <a:bodyPr wrap="square" rtlCol="0">
-            <a:spAutoFit/>
-          </a:bodyPr>
-          <a:lstStyle/>
-          <a:p>
-            <a:pPr algn="ctr"/>
-            <a:r>
-              <a:rPr lang="en-US" dirty="0"/>
-              <a:t>Maximum likelihood tree for </a:t>
-            </a:r>
-            <a:r>
-              <a:rPr lang="en-US" dirty="0" err="1"/>
-              <a:t>supermatrix</a:t>
-            </a:r>
-            <a:endParaRPr lang="en-US" dirty="0"/>
-          </a:p>
-          <a:p>
-            <a:pPr algn="ctr"/>
-            <a:r>
-              <a:rPr lang="en-US" dirty="0"/>
-              <a:t>(African and American turtles as well as terrestrial diverge after the </a:t>
-            </a:r>
-            <a:r>
-              <a:rPr lang="en-US" dirty="0" err="1"/>
-              <a:t>Chelonidae</a:t>
-            </a:r>
-            <a:r>
-              <a:rPr lang="en-US" dirty="0"/>
-              <a:t>)</a:t>
-            </a:r>
-            <a:endParaRPr lang="ru-RU" dirty="0"/>
-          </a:p>
-        </p:txBody>
-      </p:sp>
-      <p:pic>
-        <p:nvPicPr>
-          <p:cNvPr id="9" name="Объект 4" descr="Изображение выглядит как текст, снимок экрана, линия, Шрифт&#10;&#10;Автоматически созданное описание">
-            <a:extLst>
-              <a:ext uri="{FF2B5EF4-FFF2-40B4-BE49-F238E27FC236}">
-                <a16:creationId xmlns:a16="http://schemas.microsoft.com/office/drawing/2014/main" id="{9CAF8081-08D7-D82D-37F7-93D9F8E08B7E}"/>
-              </a:ext>
-            </a:extLst>
-          </p:cNvPr>
-          <p:cNvPicPr>
-            <a:picLocks noGrp="1" noChangeAspect="1"/>
-          </p:cNvPicPr>
-          <p:nvPr>
-            <p:ph idx="1"/>
-          </p:nvPr>
-        </p:nvPicPr>
-        <p:blipFill>
-          <a:blip r:embed="rId2">
-            <a:extLst>
-              <a:ext uri="{28A0092B-C50C-407E-A947-70E740481C1C}">
-                <a14:useLocalDpi xmlns:a14="http://schemas.microsoft.com/office/drawing/2010/main" val="0"/>
-              </a:ext>
-            </a:extLst>
-          </a:blip>
-          <a:stretch>
-            <a:fillRect/>
-          </a:stretch>
-        </p:blipFill>
-        <p:spPr>
-          <a:xfrm>
-            <a:off x="838200" y="1327355"/>
-            <a:ext cx="10515600" cy="3064833"/>
-          </a:xfrm>
-        </p:spPr>
-      </p:pic>
-    </p:spTree>
-    <p:extLst>
-      <p:ext uri="{BB962C8B-B14F-4D97-AF65-F5344CB8AC3E}">
-        <p14:creationId xmlns:p14="http://schemas.microsoft.com/office/powerpoint/2010/main" val="2394394586"/>
+        <p14:creationId xmlns:p14="http://schemas.microsoft.com/office/powerpoint/2010/main" val="4265569441"/>
       </p:ext>
     </p:extLst>
   </p:cSld>
